--- a/ApresentacaoLI2_G1.pptx
+++ b/ApresentacaoLI2_G1.pptx
@@ -5,20 +5,23 @@
     <p:sldMasterId id="2147483660" r:id="rId4"/>
   </p:sldMasterIdLst>
   <p:notesMasterIdLst>
-    <p:notesMasterId r:id="rId13"/>
+    <p:notesMasterId r:id="rId16"/>
   </p:notesMasterIdLst>
   <p:handoutMasterIdLst>
-    <p:handoutMasterId r:id="rId14"/>
+    <p:handoutMasterId r:id="rId17"/>
   </p:handoutMasterIdLst>
   <p:sldIdLst>
     <p:sldId id="256" r:id="rId5"/>
-    <p:sldId id="271" r:id="rId6"/>
-    <p:sldId id="272" r:id="rId7"/>
-    <p:sldId id="273" r:id="rId8"/>
-    <p:sldId id="274" r:id="rId9"/>
-    <p:sldId id="275" r:id="rId10"/>
-    <p:sldId id="276" r:id="rId11"/>
-    <p:sldId id="277" r:id="rId12"/>
+    <p:sldId id="272" r:id="rId6"/>
+    <p:sldId id="279" r:id="rId7"/>
+    <p:sldId id="278" r:id="rId8"/>
+    <p:sldId id="280" r:id="rId9"/>
+    <p:sldId id="273" r:id="rId10"/>
+    <p:sldId id="274" r:id="rId11"/>
+    <p:sldId id="275" r:id="rId12"/>
+    <p:sldId id="276" r:id="rId13"/>
+    <p:sldId id="271" r:id="rId14"/>
+    <p:sldId id="277" r:id="rId15"/>
   </p:sldIdLst>
   <p:sldSz cx="12192000" cy="6858000"/>
   <p:notesSz cx="6858000" cy="9144000"/>
@@ -127,12 +130,15 @@
         </p14:section>
         <p14:section name="Estrutura, Modificação, Anotar, Trabalhar em Conjunto, Diga-me o que pretende fazer" id="{B9B51309-D148-4332-87C2-07BE32FBCA3B}">
           <p14:sldIdLst>
-            <p14:sldId id="271"/>
             <p14:sldId id="272"/>
+            <p14:sldId id="279"/>
+            <p14:sldId id="278"/>
+            <p14:sldId id="280"/>
             <p14:sldId id="273"/>
             <p14:sldId id="274"/>
             <p14:sldId id="275"/>
             <p14:sldId id="276"/>
+            <p14:sldId id="271"/>
             <p14:sldId id="277"/>
           </p14:sldIdLst>
         </p14:section>
@@ -850,7 +856,7 @@
             <a:pPr rtl="0"/>
             <a:fld id="{DF61EA0F-A667-4B49-8422-0062BC55E249}" type="slidenum">
               <a:rPr lang="pt-PT" smtClean="0"/>
-              <a:t>2</a:t>
+              <a:t>10</a:t>
             </a:fld>
             <a:endParaRPr lang="pt-PT" dirty="0"/>
           </a:p>
@@ -2575,7 +2581,7 @@
 </p:sld>
 </file>
 
-<file path=ppt/slides/slide2.xml><?xml version="1.0" encoding="utf-8"?>
+<file path=ppt/slides/slide10.xml><?xml version="1.0" encoding="utf-8"?>
 <p:sld xmlns:a="http://schemas.openxmlformats.org/drawingml/2006/main" xmlns:r="http://schemas.openxmlformats.org/officeDocument/2006/relationships" xmlns:p="http://schemas.openxmlformats.org/presentationml/2006/main">
   <p:cSld>
     <p:spTree>
@@ -2624,6 +2630,37 @@
           </a:p>
         </p:txBody>
       </p:sp>
+      <p:pic>
+        <p:nvPicPr>
+          <p:cNvPr id="2" name="Imagem 1">
+            <a:extLst>
+              <a:ext uri="{FF2B5EF4-FFF2-40B4-BE49-F238E27FC236}">
+                <a16:creationId xmlns:a16="http://schemas.microsoft.com/office/drawing/2014/main" id="{978C225B-B907-4951-AA78-46A8ECE0BA3A}"/>
+              </a:ext>
+            </a:extLst>
+          </p:cNvPr>
+          <p:cNvPicPr>
+            <a:picLocks noChangeAspect="1"/>
+          </p:cNvPicPr>
+          <p:nvPr/>
+        </p:nvPicPr>
+        <p:blipFill rotWithShape="1">
+          <a:blip r:embed="rId3">
+            <a:alphaModFix/>
+          </a:blip>
+          <a:srcRect t="331"/>
+          <a:stretch/>
+        </p:blipFill>
+        <p:spPr>
+          <a:xfrm>
+            <a:off x="3037825" y="1603242"/>
+            <a:ext cx="6116349" cy="4806702"/>
+          </a:xfrm>
+          <a:prstGeom prst="rect">
+            <a:avLst/>
+          </a:prstGeom>
+        </p:spPr>
+      </p:pic>
     </p:spTree>
     <p:extLst>
       <p:ext uri="{BB962C8B-B14F-4D97-AF65-F5344CB8AC3E}">
@@ -2645,6 +2682,350 @@
 </p:sld>
 </file>
 
+<file path=ppt/slides/slide11.xml><?xml version="1.0" encoding="utf-8"?>
+<p:sld xmlns:a="http://schemas.openxmlformats.org/drawingml/2006/main" xmlns:r="http://schemas.openxmlformats.org/officeDocument/2006/relationships" xmlns:p="http://schemas.openxmlformats.org/presentationml/2006/main">
+  <p:cSld>
+    <p:spTree>
+      <p:nvGrpSpPr>
+        <p:cNvPr id="1" name=""/>
+        <p:cNvGrpSpPr/>
+        <p:nvPr/>
+      </p:nvGrpSpPr>
+      <p:grpSpPr>
+        <a:xfrm>
+          <a:off x="0" y="0"/>
+          <a:ext cx="0" cy="0"/>
+          <a:chOff x="0" y="0"/>
+          <a:chExt cx="0" cy="0"/>
+        </a:xfrm>
+      </p:grpSpPr>
+      <p:sp>
+        <p:nvSpPr>
+          <p:cNvPr id="4" name="CaixaDeTexto 3">
+            <a:extLst>
+              <a:ext uri="{FF2B5EF4-FFF2-40B4-BE49-F238E27FC236}">
+                <a16:creationId xmlns:a16="http://schemas.microsoft.com/office/drawing/2014/main" id="{94C01220-B4B4-4917-8A64-2C0A8D6049F1}"/>
+              </a:ext>
+            </a:extLst>
+          </p:cNvPr>
+          <p:cNvSpPr txBox="1"/>
+          <p:nvPr/>
+        </p:nvSpPr>
+        <p:spPr>
+          <a:xfrm>
+            <a:off x="4748227" y="3044279"/>
+            <a:ext cx="2695546" cy="769441"/>
+          </a:xfrm>
+          <a:prstGeom prst="rect">
+            <a:avLst/>
+          </a:prstGeom>
+          <a:noFill/>
+        </p:spPr>
+        <p:txBody>
+          <a:bodyPr wrap="none" rtlCol="0">
+            <a:spAutoFit/>
+          </a:bodyPr>
+          <a:lstStyle/>
+          <a:p>
+            <a:r>
+              <a:rPr lang="pt-PT" sz="4400" b="1" dirty="0">
+                <a:solidFill>
+                  <a:srgbClr val="FF9B45"/>
+                </a:solidFill>
+              </a:rPr>
+              <a:t>Obrigado</a:t>
+            </a:r>
+          </a:p>
+        </p:txBody>
+      </p:sp>
+    </p:spTree>
+    <p:extLst>
+      <p:ext uri="{BB962C8B-B14F-4D97-AF65-F5344CB8AC3E}">
+        <p14:creationId xmlns:p14="http://schemas.microsoft.com/office/powerpoint/2010/main" val="4008237899"/>
+      </p:ext>
+    </p:extLst>
+  </p:cSld>
+  <p:clrMapOvr>
+    <a:masterClrMapping/>
+  </p:clrMapOvr>
+</p:sld>
+</file>
+
+<file path=ppt/slides/slide2.xml><?xml version="1.0" encoding="utf-8"?>
+<p:sld xmlns:a="http://schemas.openxmlformats.org/drawingml/2006/main" xmlns:r="http://schemas.openxmlformats.org/officeDocument/2006/relationships" xmlns:p="http://schemas.openxmlformats.org/presentationml/2006/main">
+  <p:cSld>
+    <p:spTree>
+      <p:nvGrpSpPr>
+        <p:cNvPr id="1" name=""/>
+        <p:cNvGrpSpPr/>
+        <p:nvPr/>
+      </p:nvGrpSpPr>
+      <p:grpSpPr>
+        <a:xfrm>
+          <a:off x="0" y="0"/>
+          <a:ext cx="0" cy="0"/>
+          <a:chOff x="0" y="0"/>
+          <a:chExt cx="0" cy="0"/>
+        </a:xfrm>
+      </p:grpSpPr>
+      <p:sp>
+        <p:nvSpPr>
+          <p:cNvPr id="2" name="Título 1">
+            <a:extLst>
+              <a:ext uri="{FF2B5EF4-FFF2-40B4-BE49-F238E27FC236}">
+                <a16:creationId xmlns:a16="http://schemas.microsoft.com/office/drawing/2014/main" id="{AE2E81BF-9A94-4BA7-B6FF-935F67B068F8}"/>
+              </a:ext>
+            </a:extLst>
+          </p:cNvPr>
+          <p:cNvSpPr>
+            <a:spLocks noGrp="1"/>
+          </p:cNvSpPr>
+          <p:nvPr>
+            <p:ph type="title"/>
+          </p:nvPr>
+        </p:nvSpPr>
+        <p:spPr/>
+        <p:txBody>
+          <a:bodyPr/>
+          <a:lstStyle/>
+          <a:p>
+            <a:r>
+              <a:rPr lang="pt-PT" dirty="0">
+                <a:solidFill>
+                  <a:srgbClr val="FF9B45"/>
+                </a:solidFill>
+              </a:rPr>
+              <a:t>Módulo de Imagem - </a:t>
+            </a:r>
+            <a:r>
+              <a:rPr lang="pt-PT" dirty="0" err="1">
+                <a:solidFill>
+                  <a:srgbClr val="FF9B45"/>
+                </a:solidFill>
+              </a:rPr>
+              <a:t>Dataset</a:t>
+            </a:r>
+            <a:endParaRPr lang="pt-PT" dirty="0">
+              <a:solidFill>
+                <a:srgbClr val="FF9B45"/>
+              </a:solidFill>
+            </a:endParaRPr>
+          </a:p>
+        </p:txBody>
+      </p:sp>
+      <p:sp>
+        <p:nvSpPr>
+          <p:cNvPr id="5" name="CaixaDeTexto 4">
+            <a:extLst>
+              <a:ext uri="{FF2B5EF4-FFF2-40B4-BE49-F238E27FC236}">
+                <a16:creationId xmlns:a16="http://schemas.microsoft.com/office/drawing/2014/main" id="{5968D6C5-6DDD-42C6-8239-70D67C00D4BC}"/>
+              </a:ext>
+            </a:extLst>
+          </p:cNvPr>
+          <p:cNvSpPr txBox="1"/>
+          <p:nvPr/>
+        </p:nvSpPr>
+        <p:spPr>
+          <a:xfrm>
+            <a:off x="8076752" y="2098759"/>
+            <a:ext cx="2094356" cy="1287212"/>
+          </a:xfrm>
+          <a:prstGeom prst="rect">
+            <a:avLst/>
+          </a:prstGeom>
+          <a:noFill/>
+        </p:spPr>
+        <p:txBody>
+          <a:bodyPr wrap="none" rtlCol="0">
+            <a:spAutoFit/>
+          </a:bodyPr>
+          <a:lstStyle/>
+          <a:p>
+            <a:pPr>
+              <a:lnSpc>
+                <a:spcPct val="150000"/>
+              </a:lnSpc>
+            </a:pPr>
+            <a:r>
+              <a:rPr lang="pt-PT" b="1" dirty="0"/>
+              <a:t>Formato ficheiros</a:t>
+            </a:r>
+          </a:p>
+          <a:p>
+            <a:pPr marL="285750" indent="-285750">
+              <a:lnSpc>
+                <a:spcPct val="150000"/>
+              </a:lnSpc>
+              <a:buFont typeface="Arial" panose="020B0604020202020204" pitchFamily="34" charset="0"/>
+              <a:buChar char="•"/>
+            </a:pPr>
+            <a:r>
+              <a:rPr lang="pt-PT" dirty="0"/>
+              <a:t>JPG</a:t>
+            </a:r>
+          </a:p>
+          <a:p>
+            <a:pPr marL="285750" indent="-285750">
+              <a:lnSpc>
+                <a:spcPct val="150000"/>
+              </a:lnSpc>
+              <a:buFont typeface="Arial" panose="020B0604020202020204" pitchFamily="34" charset="0"/>
+              <a:buChar char="•"/>
+            </a:pPr>
+            <a:r>
+              <a:rPr lang="pt-PT" dirty="0"/>
+              <a:t>650x480 pixel</a:t>
+            </a:r>
+          </a:p>
+        </p:txBody>
+      </p:sp>
+      <p:sp>
+        <p:nvSpPr>
+          <p:cNvPr id="11" name="CaixaDeTexto 10">
+            <a:extLst>
+              <a:ext uri="{FF2B5EF4-FFF2-40B4-BE49-F238E27FC236}">
+                <a16:creationId xmlns:a16="http://schemas.microsoft.com/office/drawing/2014/main" id="{FA833119-2153-4A7D-BDFF-AA7DAC883F56}"/>
+              </a:ext>
+            </a:extLst>
+          </p:cNvPr>
+          <p:cNvSpPr txBox="1"/>
+          <p:nvPr/>
+        </p:nvSpPr>
+        <p:spPr>
+          <a:xfrm>
+            <a:off x="1264150" y="2098759"/>
+            <a:ext cx="4164538" cy="1287212"/>
+          </a:xfrm>
+          <a:prstGeom prst="rect">
+            <a:avLst/>
+          </a:prstGeom>
+          <a:noFill/>
+        </p:spPr>
+        <p:txBody>
+          <a:bodyPr wrap="none" rtlCol="0">
+            <a:spAutoFit/>
+          </a:bodyPr>
+          <a:lstStyle/>
+          <a:p>
+            <a:pPr>
+              <a:lnSpc>
+                <a:spcPct val="150000"/>
+              </a:lnSpc>
+            </a:pPr>
+            <a:r>
+              <a:rPr lang="pt-PT" b="1" dirty="0" err="1"/>
+              <a:t>Dataset</a:t>
+            </a:r>
+            <a:endParaRPr lang="pt-PT" b="1" dirty="0"/>
+          </a:p>
+          <a:p>
+            <a:pPr marL="285750" indent="-285750">
+              <a:lnSpc>
+                <a:spcPct val="150000"/>
+              </a:lnSpc>
+              <a:buFont typeface="Arial" panose="020B0604020202020204" pitchFamily="34" charset="0"/>
+              <a:buChar char="•"/>
+            </a:pPr>
+            <a:r>
+              <a:rPr lang="pt-PT" dirty="0"/>
+              <a:t>8 Grupos</a:t>
+            </a:r>
+          </a:p>
+          <a:p>
+            <a:pPr marL="285750" indent="-285750">
+              <a:lnSpc>
+                <a:spcPct val="150000"/>
+              </a:lnSpc>
+              <a:buFont typeface="Arial" panose="020B0604020202020204" pitchFamily="34" charset="0"/>
+              <a:buChar char="•"/>
+            </a:pPr>
+            <a:r>
+              <a:rPr lang="pt-PT" dirty="0"/>
+              <a:t>20 Fotos de um elemento por grupo</a:t>
+            </a:r>
+          </a:p>
+        </p:txBody>
+      </p:sp>
+      <p:sp>
+        <p:nvSpPr>
+          <p:cNvPr id="12" name="CaixaDeTexto 11">
+            <a:extLst>
+              <a:ext uri="{FF2B5EF4-FFF2-40B4-BE49-F238E27FC236}">
+                <a16:creationId xmlns:a16="http://schemas.microsoft.com/office/drawing/2014/main" id="{11B9E6F4-F37F-4949-9B85-EABFBF79DB3B}"/>
+              </a:ext>
+            </a:extLst>
+          </p:cNvPr>
+          <p:cNvSpPr txBox="1"/>
+          <p:nvPr/>
+        </p:nvSpPr>
+        <p:spPr>
+          <a:xfrm>
+            <a:off x="4902153" y="4396594"/>
+            <a:ext cx="2923301" cy="1287212"/>
+          </a:xfrm>
+          <a:prstGeom prst="rect">
+            <a:avLst/>
+          </a:prstGeom>
+          <a:noFill/>
+        </p:spPr>
+        <p:txBody>
+          <a:bodyPr wrap="none" rtlCol="0">
+            <a:spAutoFit/>
+          </a:bodyPr>
+          <a:lstStyle/>
+          <a:p>
+            <a:pPr>
+              <a:lnSpc>
+                <a:spcPct val="150000"/>
+              </a:lnSpc>
+            </a:pPr>
+            <a:r>
+              <a:rPr lang="pt-PT" b="1" dirty="0"/>
+              <a:t>Extração de caraterísticas</a:t>
+            </a:r>
+          </a:p>
+          <a:p>
+            <a:pPr marL="285750" indent="-285750">
+              <a:lnSpc>
+                <a:spcPct val="150000"/>
+              </a:lnSpc>
+              <a:buFont typeface="Arial" panose="020B0604020202020204" pitchFamily="34" charset="0"/>
+              <a:buChar char="•"/>
+            </a:pPr>
+            <a:r>
+              <a:rPr lang="pt-PT" dirty="0" err="1"/>
+              <a:t>HaarCascade</a:t>
+            </a:r>
+            <a:endParaRPr lang="pt-PT" dirty="0"/>
+          </a:p>
+          <a:p>
+            <a:pPr marL="285750" indent="-285750">
+              <a:lnSpc>
+                <a:spcPct val="150000"/>
+              </a:lnSpc>
+              <a:buFont typeface="Arial" panose="020B0604020202020204" pitchFamily="34" charset="0"/>
+              <a:buChar char="•"/>
+            </a:pPr>
+            <a:r>
+              <a:rPr lang="pt-PT" dirty="0"/>
+              <a:t>Classificador LBPH</a:t>
+            </a:r>
+          </a:p>
+        </p:txBody>
+      </p:sp>
+    </p:spTree>
+    <p:extLst>
+      <p:ext uri="{BB962C8B-B14F-4D97-AF65-F5344CB8AC3E}">
+        <p14:creationId xmlns:p14="http://schemas.microsoft.com/office/powerpoint/2010/main" val="3291576452"/>
+      </p:ext>
+    </p:extLst>
+  </p:cSld>
+  <p:clrMapOvr>
+    <a:masterClrMapping/>
+  </p:clrMapOvr>
+</p:sld>
+</file>
+
 <file path=ppt/slides/slide3.xml><?xml version="1.0" encoding="utf-8"?>
 <p:sld xmlns:a="http://schemas.openxmlformats.org/drawingml/2006/main" xmlns:r="http://schemas.openxmlformats.org/officeDocument/2006/relationships" xmlns:p="http://schemas.openxmlformats.org/presentationml/2006/main">
   <p:cSld>
@@ -2667,7 +3048,7 @@
           <p:cNvPr id="2" name="Título 1">
             <a:extLst>
               <a:ext uri="{FF2B5EF4-FFF2-40B4-BE49-F238E27FC236}">
-                <a16:creationId xmlns:a16="http://schemas.microsoft.com/office/drawing/2014/main" id="{AE2E81BF-9A94-4BA7-B6FF-935F67B068F8}"/>
+                <a16:creationId xmlns:a16="http://schemas.microsoft.com/office/drawing/2014/main" id="{EBC26A39-D5B9-413E-8D32-3DA9B941AD33}"/>
               </a:ext>
             </a:extLst>
           </p:cNvPr>
@@ -2689,40 +3070,120 @@
                   <a:srgbClr val="FF9B45"/>
                 </a:solidFill>
               </a:rPr>
-              <a:t>Módulo de Imagem</a:t>
-            </a:r>
-          </a:p>
-        </p:txBody>
-      </p:sp>
-      <p:sp>
-        <p:nvSpPr>
-          <p:cNvPr id="3" name="Marcador de Posição de Conteúdo 2">
+              <a:t>Módulo de Imagem - Treino</a:t>
+            </a:r>
+          </a:p>
+        </p:txBody>
+      </p:sp>
+      <p:sp>
+        <p:nvSpPr>
+          <p:cNvPr id="4" name="CaixaDeTexto 3">
             <a:extLst>
               <a:ext uri="{FF2B5EF4-FFF2-40B4-BE49-F238E27FC236}">
-                <a16:creationId xmlns:a16="http://schemas.microsoft.com/office/drawing/2014/main" id="{23B00EE4-1F07-4E3A-84FC-91FEA204DCE4}"/>
+                <a16:creationId xmlns:a16="http://schemas.microsoft.com/office/drawing/2014/main" id="{F040D268-A6E6-47BC-B79B-F8F74A231418}"/>
               </a:ext>
             </a:extLst>
           </p:cNvPr>
-          <p:cNvSpPr>
-            <a:spLocks noGrp="1"/>
-          </p:cNvSpPr>
-          <p:nvPr>
-            <p:ph sz="quarter" idx="10"/>
-          </p:nvPr>
-        </p:nvSpPr>
-        <p:spPr/>
-        <p:txBody>
-          <a:bodyPr/>
+          <p:cNvSpPr txBox="1"/>
+          <p:nvPr/>
+        </p:nvSpPr>
+        <p:spPr>
+          <a:xfrm>
+            <a:off x="521207" y="1654315"/>
+            <a:ext cx="6683946" cy="2102820"/>
+          </a:xfrm>
+          <a:prstGeom prst="rect">
+            <a:avLst/>
+          </a:prstGeom>
+          <a:noFill/>
+        </p:spPr>
+        <p:txBody>
+          <a:bodyPr wrap="none" rtlCol="0">
+            <a:spAutoFit/>
+          </a:bodyPr>
           <a:lstStyle/>
           <a:p>
-            <a:endParaRPr lang="pt-PT"/>
+            <a:pPr marL="285750" indent="-285750">
+              <a:lnSpc>
+                <a:spcPct val="200000"/>
+              </a:lnSpc>
+              <a:buFont typeface="Courier New" panose="02070309020205020404" pitchFamily="49" charset="0"/>
+              <a:buChar char="o"/>
+            </a:pPr>
+            <a:r>
+              <a:rPr lang="pt-PT" sz="2000" dirty="0"/>
+              <a:t>Divisão dos dados em 80% treino e 20% teste</a:t>
+            </a:r>
+          </a:p>
+          <a:p>
+            <a:pPr marL="285750" indent="-285750">
+              <a:lnSpc>
+                <a:spcPct val="200000"/>
+              </a:lnSpc>
+              <a:buFont typeface="Courier New" panose="02070309020205020404" pitchFamily="49" charset="0"/>
+              <a:buChar char="o"/>
+            </a:pPr>
+            <a:r>
+              <a:rPr lang="pt-PT" sz="2000" dirty="0"/>
+              <a:t>Classificador – LBPH (Local </a:t>
+            </a:r>
+            <a:r>
+              <a:rPr lang="pt-PT" sz="2000" dirty="0" err="1"/>
+              <a:t>Binary</a:t>
+            </a:r>
+            <a:r>
+              <a:rPr lang="pt-PT" sz="2000" dirty="0"/>
+              <a:t> </a:t>
+            </a:r>
+            <a:r>
+              <a:rPr lang="pt-PT" sz="2000" dirty="0" err="1"/>
+              <a:t>Patterns</a:t>
+            </a:r>
+            <a:r>
+              <a:rPr lang="pt-PT" sz="2000" dirty="0"/>
+              <a:t> </a:t>
+            </a:r>
+            <a:r>
+              <a:rPr lang="pt-PT" sz="2000" dirty="0" err="1"/>
+              <a:t>Histograms</a:t>
+            </a:r>
+            <a:r>
+              <a:rPr lang="pt-PT" sz="2000" dirty="0"/>
+              <a:t>)</a:t>
+            </a:r>
+          </a:p>
+          <a:p>
+            <a:pPr marL="742950" lvl="1" indent="-285750">
+              <a:lnSpc>
+                <a:spcPct val="150000"/>
+              </a:lnSpc>
+              <a:buFont typeface="Arial" panose="020B0604020202020204" pitchFamily="34" charset="0"/>
+              <a:buChar char="•"/>
+            </a:pPr>
+            <a:r>
+              <a:rPr lang="pt-PT" dirty="0"/>
+              <a:t>Imagens em níveis de cinzento</a:t>
+            </a:r>
+          </a:p>
+          <a:p>
+            <a:pPr marL="742950" lvl="1" indent="-285750">
+              <a:lnSpc>
+                <a:spcPct val="150000"/>
+              </a:lnSpc>
+              <a:buFont typeface="Arial" panose="020B0604020202020204" pitchFamily="34" charset="0"/>
+              <a:buChar char="•"/>
+            </a:pPr>
+            <a:r>
+              <a:rPr lang="pt-PT" dirty="0"/>
+              <a:t>220x220x256 = posições no histograma final</a:t>
+            </a:r>
           </a:p>
         </p:txBody>
       </p:sp>
     </p:spTree>
     <p:extLst>
       <p:ext uri="{BB962C8B-B14F-4D97-AF65-F5344CB8AC3E}">
-        <p14:creationId xmlns:p14="http://schemas.microsoft.com/office/powerpoint/2010/main" val="3291576452"/>
+        <p14:creationId xmlns:p14="http://schemas.microsoft.com/office/powerpoint/2010/main" val="4157192275"/>
       </p:ext>
     </p:extLst>
   </p:cSld>
@@ -2754,7 +3215,7 @@
           <p:cNvPr id="2" name="Título 1">
             <a:extLst>
               <a:ext uri="{FF2B5EF4-FFF2-40B4-BE49-F238E27FC236}">
-                <a16:creationId xmlns:a16="http://schemas.microsoft.com/office/drawing/2014/main" id="{4EFEB1C9-B492-406F-BD68-99B1C7B1A756}"/>
+                <a16:creationId xmlns:a16="http://schemas.microsoft.com/office/drawing/2014/main" id="{5CBB38A7-EB02-4328-A19A-BA8EE26F792F}"/>
               </a:ext>
             </a:extLst>
           </p:cNvPr>
@@ -2771,384 +3232,46 @@
           <a:lstStyle/>
           <a:p>
             <a:r>
-              <a:rPr lang="pt-PT" dirty="0">
-                <a:solidFill>
-                  <a:srgbClr val="FF9B45"/>
-                </a:solidFill>
-              </a:rPr>
-              <a:t>Módulo de som - </a:t>
-            </a:r>
-            <a:r>
-              <a:rPr lang="pt-PT" dirty="0" err="1">
-                <a:solidFill>
-                  <a:srgbClr val="FF9B45"/>
-                </a:solidFill>
-              </a:rPr>
-              <a:t>Dataset</a:t>
-            </a:r>
-            <a:endParaRPr lang="pt-PT" dirty="0">
-              <a:solidFill>
-                <a:srgbClr val="FF9B45"/>
-              </a:solidFill>
-            </a:endParaRPr>
-          </a:p>
-        </p:txBody>
-      </p:sp>
-      <p:sp>
-        <p:nvSpPr>
-          <p:cNvPr id="4" name="CaixaDeTexto 3">
+              <a:rPr lang="pt-PT" dirty="0"/>
+              <a:t>Módulo de Imagem – Resultados treino</a:t>
+            </a:r>
+          </a:p>
+        </p:txBody>
+      </p:sp>
+      <p:pic>
+        <p:nvPicPr>
+          <p:cNvPr id="3" name="Imagem 2">
             <a:extLst>
               <a:ext uri="{FF2B5EF4-FFF2-40B4-BE49-F238E27FC236}">
-                <a16:creationId xmlns:a16="http://schemas.microsoft.com/office/drawing/2014/main" id="{860478F8-9943-4923-BA3F-8004A8048073}"/>
+                <a16:creationId xmlns:a16="http://schemas.microsoft.com/office/drawing/2014/main" id="{417F9742-A71F-4854-8B87-8B914A3CF37E}"/>
               </a:ext>
             </a:extLst>
           </p:cNvPr>
-          <p:cNvSpPr txBox="1"/>
+          <p:cNvPicPr>
+            <a:picLocks noChangeAspect="1"/>
+          </p:cNvPicPr>
           <p:nvPr/>
-        </p:nvSpPr>
+        </p:nvPicPr>
+        <p:blipFill>
+          <a:blip r:embed="rId2"/>
+          <a:stretch>
+            <a:fillRect/>
+          </a:stretch>
+        </p:blipFill>
         <p:spPr>
           <a:xfrm>
-            <a:off x="874643" y="1789042"/>
-            <a:ext cx="2482026" cy="1702710"/>
+            <a:off x="4116355" y="1465708"/>
+            <a:ext cx="3959290" cy="4944236"/>
           </a:xfrm>
           <a:prstGeom prst="rect">
             <a:avLst/>
           </a:prstGeom>
-          <a:noFill/>
         </p:spPr>
-        <p:txBody>
-          <a:bodyPr wrap="none" rtlCol="0">
-            <a:spAutoFit/>
-          </a:bodyPr>
-          <a:lstStyle/>
-          <a:p>
-            <a:pPr>
-              <a:lnSpc>
-                <a:spcPct val="150000"/>
-              </a:lnSpc>
-            </a:pPr>
-            <a:r>
-              <a:rPr lang="pt-PT" b="1" dirty="0" err="1"/>
-              <a:t>Dataset</a:t>
-            </a:r>
-            <a:endParaRPr lang="pt-PT" b="1" dirty="0"/>
-          </a:p>
-          <a:p>
-            <a:pPr marL="285750" indent="-285750">
-              <a:lnSpc>
-                <a:spcPct val="150000"/>
-              </a:lnSpc>
-              <a:buFont typeface="Arial" panose="020B0604020202020204" pitchFamily="34" charset="0"/>
-              <a:buChar char="•"/>
-            </a:pPr>
-            <a:r>
-              <a:rPr lang="pt-PT" dirty="0"/>
-              <a:t>8 Grupos</a:t>
-            </a:r>
-          </a:p>
-          <a:p>
-            <a:pPr marL="285750" indent="-285750">
-              <a:lnSpc>
-                <a:spcPct val="150000"/>
-              </a:lnSpc>
-              <a:buFont typeface="Arial" panose="020B0604020202020204" pitchFamily="34" charset="0"/>
-              <a:buChar char="•"/>
-            </a:pPr>
-            <a:r>
-              <a:rPr lang="pt-PT" dirty="0"/>
-              <a:t>8 Comandos de voz</a:t>
-            </a:r>
-          </a:p>
-          <a:p>
-            <a:pPr marL="285750" indent="-285750">
-              <a:lnSpc>
-                <a:spcPct val="150000"/>
-              </a:lnSpc>
-              <a:buFont typeface="Arial" panose="020B0604020202020204" pitchFamily="34" charset="0"/>
-              <a:buChar char="•"/>
-            </a:pPr>
-            <a:r>
-              <a:rPr lang="pt-PT" dirty="0"/>
-              <a:t>20 Repetições</a:t>
-            </a:r>
-          </a:p>
-        </p:txBody>
-      </p:sp>
-      <p:sp>
-        <p:nvSpPr>
-          <p:cNvPr id="5" name="CaixaDeTexto 4">
-            <a:extLst>
-              <a:ext uri="{FF2B5EF4-FFF2-40B4-BE49-F238E27FC236}">
-                <a16:creationId xmlns:a16="http://schemas.microsoft.com/office/drawing/2014/main" id="{FAADC47C-D2CB-40C8-967E-8DFA18B4562C}"/>
-              </a:ext>
-            </a:extLst>
-          </p:cNvPr>
-          <p:cNvSpPr txBox="1"/>
-          <p:nvPr/>
-        </p:nvSpPr>
-        <p:spPr>
-          <a:xfrm>
-            <a:off x="874643" y="3868630"/>
-            <a:ext cx="4623189" cy="1702710"/>
-          </a:xfrm>
-          <a:prstGeom prst="rect">
-            <a:avLst/>
-          </a:prstGeom>
-          <a:noFill/>
-        </p:spPr>
-        <p:txBody>
-          <a:bodyPr wrap="none" rtlCol="0">
-            <a:spAutoFit/>
-          </a:bodyPr>
-          <a:lstStyle/>
-          <a:p>
-            <a:pPr>
-              <a:lnSpc>
-                <a:spcPct val="150000"/>
-              </a:lnSpc>
-            </a:pPr>
-            <a:r>
-              <a:rPr lang="pt-PT" b="1" dirty="0"/>
-              <a:t>Data </a:t>
-            </a:r>
-            <a:r>
-              <a:rPr lang="pt-PT" b="1" dirty="0" err="1"/>
-              <a:t>Augmentation</a:t>
-            </a:r>
-            <a:endParaRPr lang="pt-PT" b="1" dirty="0"/>
-          </a:p>
-          <a:p>
-            <a:pPr marL="285750" indent="-285750">
-              <a:lnSpc>
-                <a:spcPct val="150000"/>
-              </a:lnSpc>
-              <a:buFont typeface="Arial" panose="020B0604020202020204" pitchFamily="34" charset="0"/>
-              <a:buChar char="•"/>
-            </a:pPr>
-            <a:r>
-              <a:rPr lang="pt-PT" dirty="0"/>
-              <a:t>Data-</a:t>
-            </a:r>
-            <a:r>
-              <a:rPr lang="pt-PT" dirty="0" err="1"/>
-              <a:t>shift</a:t>
-            </a:r>
-            <a:r>
-              <a:rPr lang="pt-PT" dirty="0"/>
-              <a:t> (</a:t>
-            </a:r>
-            <a:r>
-              <a:rPr lang="pt-PT" dirty="0" err="1"/>
-              <a:t>NumPY</a:t>
-            </a:r>
-            <a:r>
-              <a:rPr lang="pt-PT" dirty="0"/>
-              <a:t> – </a:t>
-            </a:r>
-            <a:r>
-              <a:rPr lang="pt-PT" dirty="0" err="1"/>
-              <a:t>roll</a:t>
-            </a:r>
-            <a:r>
-              <a:rPr lang="pt-PT" dirty="0"/>
-              <a:t>)</a:t>
-            </a:r>
-          </a:p>
-          <a:p>
-            <a:pPr marL="285750" indent="-285750">
-              <a:lnSpc>
-                <a:spcPct val="150000"/>
-              </a:lnSpc>
-              <a:buFont typeface="Arial" panose="020B0604020202020204" pitchFamily="34" charset="0"/>
-              <a:buChar char="•"/>
-            </a:pPr>
-            <a:r>
-              <a:rPr lang="pt-PT" dirty="0"/>
-              <a:t>11 Iterações, múltiplos de 4410 amostras</a:t>
-            </a:r>
-          </a:p>
-          <a:p>
-            <a:pPr marL="285750" indent="-285750">
-              <a:lnSpc>
-                <a:spcPct val="150000"/>
-              </a:lnSpc>
-              <a:buFont typeface="Arial" panose="020B0604020202020204" pitchFamily="34" charset="0"/>
-              <a:buChar char="•"/>
-            </a:pPr>
-            <a:r>
-              <a:rPr lang="pt-PT" dirty="0"/>
-              <a:t>Numero final de clipes – 14.080</a:t>
-            </a:r>
-          </a:p>
-        </p:txBody>
-      </p:sp>
-      <p:sp>
-        <p:nvSpPr>
-          <p:cNvPr id="6" name="CaixaDeTexto 5">
-            <a:extLst>
-              <a:ext uri="{FF2B5EF4-FFF2-40B4-BE49-F238E27FC236}">
-                <a16:creationId xmlns:a16="http://schemas.microsoft.com/office/drawing/2014/main" id="{8BEB66ED-4D2A-449F-99CF-9C091EC3BEBC}"/>
-              </a:ext>
-            </a:extLst>
-          </p:cNvPr>
-          <p:cNvSpPr txBox="1"/>
-          <p:nvPr/>
-        </p:nvSpPr>
-        <p:spPr>
-          <a:xfrm>
-            <a:off x="6096000" y="1789043"/>
-            <a:ext cx="2895344" cy="1702710"/>
-          </a:xfrm>
-          <a:prstGeom prst="rect">
-            <a:avLst/>
-          </a:prstGeom>
-          <a:noFill/>
-        </p:spPr>
-        <p:txBody>
-          <a:bodyPr wrap="none" rtlCol="0">
-            <a:spAutoFit/>
-          </a:bodyPr>
-          <a:lstStyle/>
-          <a:p>
-            <a:pPr>
-              <a:lnSpc>
-                <a:spcPct val="150000"/>
-              </a:lnSpc>
-            </a:pPr>
-            <a:r>
-              <a:rPr lang="pt-PT" b="1" dirty="0"/>
-              <a:t>Formato ficheiros</a:t>
-            </a:r>
-          </a:p>
-          <a:p>
-            <a:pPr marL="285750" indent="-285750">
-              <a:lnSpc>
-                <a:spcPct val="150000"/>
-              </a:lnSpc>
-              <a:buFont typeface="Arial" panose="020B0604020202020204" pitchFamily="34" charset="0"/>
-              <a:buChar char="•"/>
-            </a:pPr>
-            <a:r>
-              <a:rPr lang="pt-PT" dirty="0"/>
-              <a:t>WAV </a:t>
-            </a:r>
-          </a:p>
-          <a:p>
-            <a:pPr marL="285750" indent="-285750">
-              <a:lnSpc>
-                <a:spcPct val="150000"/>
-              </a:lnSpc>
-              <a:buFont typeface="Arial" panose="020B0604020202020204" pitchFamily="34" charset="0"/>
-              <a:buChar char="•"/>
-            </a:pPr>
-            <a:r>
-              <a:rPr lang="pt-PT" dirty="0"/>
-              <a:t>16 bits, </a:t>
-            </a:r>
-          </a:p>
-          <a:p>
-            <a:pPr marL="285750" indent="-285750">
-              <a:lnSpc>
-                <a:spcPct val="150000"/>
-              </a:lnSpc>
-              <a:buFont typeface="Arial" panose="020B0604020202020204" pitchFamily="34" charset="0"/>
-              <a:buChar char="•"/>
-            </a:pPr>
-            <a:r>
-              <a:rPr lang="pt-PT" dirty="0"/>
-              <a:t>Amostragem - 44100Hz</a:t>
-            </a:r>
-          </a:p>
-        </p:txBody>
-      </p:sp>
-      <p:sp>
-        <p:nvSpPr>
-          <p:cNvPr id="8" name="CaixaDeTexto 7">
-            <a:extLst>
-              <a:ext uri="{FF2B5EF4-FFF2-40B4-BE49-F238E27FC236}">
-                <a16:creationId xmlns:a16="http://schemas.microsoft.com/office/drawing/2014/main" id="{59A4422C-5329-46D9-9082-5B125432D6B8}"/>
-              </a:ext>
-            </a:extLst>
-          </p:cNvPr>
-          <p:cNvSpPr txBox="1"/>
-          <p:nvPr/>
-        </p:nvSpPr>
-        <p:spPr>
-          <a:xfrm>
-            <a:off x="6096000" y="3868630"/>
-            <a:ext cx="3058851" cy="1702710"/>
-          </a:xfrm>
-          <a:prstGeom prst="rect">
-            <a:avLst/>
-          </a:prstGeom>
-          <a:noFill/>
-        </p:spPr>
-        <p:txBody>
-          <a:bodyPr wrap="none" rtlCol="0">
-            <a:spAutoFit/>
-          </a:bodyPr>
-          <a:lstStyle/>
-          <a:p>
-            <a:pPr>
-              <a:lnSpc>
-                <a:spcPct val="150000"/>
-              </a:lnSpc>
-            </a:pPr>
-            <a:r>
-              <a:rPr lang="pt-PT" b="1" dirty="0"/>
-              <a:t>Extração de caraterísticas</a:t>
-            </a:r>
-          </a:p>
-          <a:p>
-            <a:pPr marL="285750" indent="-285750">
-              <a:lnSpc>
-                <a:spcPct val="150000"/>
-              </a:lnSpc>
-              <a:buFont typeface="Arial" panose="020B0604020202020204" pitchFamily="34" charset="0"/>
-              <a:buChar char="•"/>
-            </a:pPr>
-            <a:r>
-              <a:rPr lang="pt-PT" dirty="0"/>
-              <a:t>MFCC</a:t>
-            </a:r>
-          </a:p>
-          <a:p>
-            <a:pPr marL="285750" indent="-285750">
-              <a:lnSpc>
-                <a:spcPct val="150000"/>
-              </a:lnSpc>
-              <a:buFont typeface="Arial" panose="020B0604020202020204" pitchFamily="34" charset="0"/>
-              <a:buChar char="•"/>
-            </a:pPr>
-            <a:r>
-              <a:rPr lang="pt-PT" dirty="0"/>
-              <a:t>Numero coeficientes – 13</a:t>
-            </a:r>
-          </a:p>
-          <a:p>
-            <a:pPr marL="285750" indent="-285750">
-              <a:lnSpc>
-                <a:spcPct val="150000"/>
-              </a:lnSpc>
-              <a:buFont typeface="Arial" panose="020B0604020202020204" pitchFamily="34" charset="0"/>
-              <a:buChar char="•"/>
-            </a:pPr>
-            <a:r>
-              <a:rPr lang="pt-PT" dirty="0"/>
-              <a:t>Biblioteca - </a:t>
-            </a:r>
-            <a:r>
-              <a:rPr lang="pt-PT" dirty="0" err="1"/>
-              <a:t>Librosa</a:t>
-            </a:r>
-            <a:endParaRPr lang="pt-PT" dirty="0"/>
-          </a:p>
-        </p:txBody>
-      </p:sp>
+      </p:pic>
     </p:spTree>
     <p:extLst>
       <p:ext uri="{BB962C8B-B14F-4D97-AF65-F5344CB8AC3E}">
-        <p14:creationId xmlns:p14="http://schemas.microsoft.com/office/powerpoint/2010/main" val="3993298402"/>
+        <p14:creationId xmlns:p14="http://schemas.microsoft.com/office/powerpoint/2010/main" val="2980518288"/>
       </p:ext>
     </p:extLst>
   </p:cSld>
@@ -3180,6 +3303,594 @@
           <p:cNvPr id="2" name="Título 1">
             <a:extLst>
               <a:ext uri="{FF2B5EF4-FFF2-40B4-BE49-F238E27FC236}">
+                <a16:creationId xmlns:a16="http://schemas.microsoft.com/office/drawing/2014/main" id="{5A360397-F425-46AF-B7DB-4D98DDC1399B}"/>
+              </a:ext>
+            </a:extLst>
+          </p:cNvPr>
+          <p:cNvSpPr>
+            <a:spLocks noGrp="1"/>
+          </p:cNvSpPr>
+          <p:nvPr>
+            <p:ph type="title"/>
+          </p:nvPr>
+        </p:nvSpPr>
+        <p:spPr/>
+        <p:txBody>
+          <a:bodyPr/>
+          <a:lstStyle/>
+          <a:p>
+            <a:r>
+              <a:rPr lang="pt-PT" dirty="0">
+                <a:solidFill>
+                  <a:srgbClr val="FF9B45"/>
+                </a:solidFill>
+              </a:rPr>
+              <a:t>Módulo de Imagem – Previsão</a:t>
+            </a:r>
+          </a:p>
+        </p:txBody>
+      </p:sp>
+      <p:sp>
+        <p:nvSpPr>
+          <p:cNvPr id="4" name="CaixaDeTexto 3">
+            <a:extLst>
+              <a:ext uri="{FF2B5EF4-FFF2-40B4-BE49-F238E27FC236}">
+                <a16:creationId xmlns:a16="http://schemas.microsoft.com/office/drawing/2014/main" id="{C01F9006-6A2F-4447-9905-6F189069C114}"/>
+              </a:ext>
+            </a:extLst>
+          </p:cNvPr>
+          <p:cNvSpPr txBox="1"/>
+          <p:nvPr/>
+        </p:nvSpPr>
+        <p:spPr>
+          <a:xfrm>
+            <a:off x="1966839" y="1582338"/>
+            <a:ext cx="8607755" cy="1892826"/>
+          </a:xfrm>
+          <a:prstGeom prst="rect">
+            <a:avLst/>
+          </a:prstGeom>
+          <a:noFill/>
+        </p:spPr>
+        <p:txBody>
+          <a:bodyPr wrap="square" rtlCol="0">
+            <a:spAutoFit/>
+          </a:bodyPr>
+          <a:lstStyle/>
+          <a:p>
+            <a:pPr marL="285750" indent="-285750">
+              <a:lnSpc>
+                <a:spcPct val="200000"/>
+              </a:lnSpc>
+              <a:buFont typeface="Courier New" panose="02070309020205020404" pitchFamily="49" charset="0"/>
+              <a:buChar char="o"/>
+            </a:pPr>
+            <a:r>
+              <a:rPr lang="pt-PT" dirty="0"/>
+              <a:t>Deteção da face através do classificador </a:t>
+            </a:r>
+            <a:r>
+              <a:rPr lang="pt-PT" dirty="0" err="1"/>
+              <a:t>HaarCascade</a:t>
+            </a:r>
+            <a:r>
+              <a:rPr lang="pt-PT" dirty="0"/>
+              <a:t>, tirando as características faciais e passando para níveis de cinzento.</a:t>
+            </a:r>
+          </a:p>
+          <a:p>
+            <a:pPr marL="285750" indent="-285750">
+              <a:lnSpc>
+                <a:spcPct val="150000"/>
+              </a:lnSpc>
+              <a:buFont typeface="Courier New" panose="02070309020205020404" pitchFamily="49" charset="0"/>
+              <a:buChar char="o"/>
+            </a:pPr>
+            <a:r>
+              <a:rPr lang="pt-PT" dirty="0"/>
+              <a:t>Através do classificador LBPH treinado, reconhecemos a cara detetada.</a:t>
+            </a:r>
+          </a:p>
+          <a:p>
+            <a:endParaRPr lang="pt-PT" dirty="0"/>
+          </a:p>
+        </p:txBody>
+      </p:sp>
+    </p:spTree>
+    <p:extLst>
+      <p:ext uri="{BB962C8B-B14F-4D97-AF65-F5344CB8AC3E}">
+        <p14:creationId xmlns:p14="http://schemas.microsoft.com/office/powerpoint/2010/main" val="20755672"/>
+      </p:ext>
+    </p:extLst>
+  </p:cSld>
+  <p:clrMapOvr>
+    <a:masterClrMapping/>
+  </p:clrMapOvr>
+</p:sld>
+</file>
+
+<file path=ppt/slides/slide6.xml><?xml version="1.0" encoding="utf-8"?>
+<p:sld xmlns:a="http://schemas.openxmlformats.org/drawingml/2006/main" xmlns:r="http://schemas.openxmlformats.org/officeDocument/2006/relationships" xmlns:p="http://schemas.openxmlformats.org/presentationml/2006/main">
+  <p:cSld>
+    <p:spTree>
+      <p:nvGrpSpPr>
+        <p:cNvPr id="1" name=""/>
+        <p:cNvGrpSpPr/>
+        <p:nvPr/>
+      </p:nvGrpSpPr>
+      <p:grpSpPr>
+        <a:xfrm>
+          <a:off x="0" y="0"/>
+          <a:ext cx="0" cy="0"/>
+          <a:chOff x="0" y="0"/>
+          <a:chExt cx="0" cy="0"/>
+        </a:xfrm>
+      </p:grpSpPr>
+      <p:sp>
+        <p:nvSpPr>
+          <p:cNvPr id="2" name="Título 1">
+            <a:extLst>
+              <a:ext uri="{FF2B5EF4-FFF2-40B4-BE49-F238E27FC236}">
+                <a16:creationId xmlns:a16="http://schemas.microsoft.com/office/drawing/2014/main" id="{4EFEB1C9-B492-406F-BD68-99B1C7B1A756}"/>
+              </a:ext>
+            </a:extLst>
+          </p:cNvPr>
+          <p:cNvSpPr>
+            <a:spLocks noGrp="1"/>
+          </p:cNvSpPr>
+          <p:nvPr>
+            <p:ph type="title"/>
+          </p:nvPr>
+        </p:nvSpPr>
+        <p:spPr/>
+        <p:txBody>
+          <a:bodyPr/>
+          <a:lstStyle/>
+          <a:p>
+            <a:r>
+              <a:rPr lang="pt-PT" dirty="0">
+                <a:solidFill>
+                  <a:srgbClr val="FF9B45"/>
+                </a:solidFill>
+              </a:rPr>
+              <a:t>Módulo de som - </a:t>
+            </a:r>
+            <a:r>
+              <a:rPr lang="pt-PT" dirty="0" err="1">
+                <a:solidFill>
+                  <a:srgbClr val="FF9B45"/>
+                </a:solidFill>
+              </a:rPr>
+              <a:t>Dataset</a:t>
+            </a:r>
+            <a:endParaRPr lang="pt-PT" dirty="0">
+              <a:solidFill>
+                <a:srgbClr val="FF9B45"/>
+              </a:solidFill>
+            </a:endParaRPr>
+          </a:p>
+        </p:txBody>
+      </p:sp>
+      <p:sp>
+        <p:nvSpPr>
+          <p:cNvPr id="4" name="CaixaDeTexto 3">
+            <a:extLst>
+              <a:ext uri="{FF2B5EF4-FFF2-40B4-BE49-F238E27FC236}">
+                <a16:creationId xmlns:a16="http://schemas.microsoft.com/office/drawing/2014/main" id="{860478F8-9943-4923-BA3F-8004A8048073}"/>
+              </a:ext>
+            </a:extLst>
+          </p:cNvPr>
+          <p:cNvSpPr txBox="1"/>
+          <p:nvPr/>
+        </p:nvSpPr>
+        <p:spPr>
+          <a:xfrm>
+            <a:off x="874643" y="1789042"/>
+            <a:ext cx="2482026" cy="1702710"/>
+          </a:xfrm>
+          <a:prstGeom prst="rect">
+            <a:avLst/>
+          </a:prstGeom>
+          <a:noFill/>
+        </p:spPr>
+        <p:txBody>
+          <a:bodyPr wrap="none" rtlCol="0">
+            <a:spAutoFit/>
+          </a:bodyPr>
+          <a:lstStyle/>
+          <a:p>
+            <a:pPr>
+              <a:lnSpc>
+                <a:spcPct val="150000"/>
+              </a:lnSpc>
+            </a:pPr>
+            <a:r>
+              <a:rPr lang="pt-PT" b="1" dirty="0" err="1"/>
+              <a:t>Dataset</a:t>
+            </a:r>
+            <a:endParaRPr lang="pt-PT" b="1" dirty="0"/>
+          </a:p>
+          <a:p>
+            <a:pPr marL="285750" indent="-285750">
+              <a:lnSpc>
+                <a:spcPct val="150000"/>
+              </a:lnSpc>
+              <a:buFont typeface="Arial" panose="020B0604020202020204" pitchFamily="34" charset="0"/>
+              <a:buChar char="•"/>
+            </a:pPr>
+            <a:r>
+              <a:rPr lang="pt-PT" dirty="0"/>
+              <a:t>8 Grupos</a:t>
+            </a:r>
+          </a:p>
+          <a:p>
+            <a:pPr marL="285750" indent="-285750">
+              <a:lnSpc>
+                <a:spcPct val="150000"/>
+              </a:lnSpc>
+              <a:buFont typeface="Arial" panose="020B0604020202020204" pitchFamily="34" charset="0"/>
+              <a:buChar char="•"/>
+            </a:pPr>
+            <a:r>
+              <a:rPr lang="pt-PT" dirty="0"/>
+              <a:t>8 Comandos de voz</a:t>
+            </a:r>
+          </a:p>
+          <a:p>
+            <a:pPr marL="285750" indent="-285750">
+              <a:lnSpc>
+                <a:spcPct val="150000"/>
+              </a:lnSpc>
+              <a:buFont typeface="Arial" panose="020B0604020202020204" pitchFamily="34" charset="0"/>
+              <a:buChar char="•"/>
+            </a:pPr>
+            <a:r>
+              <a:rPr lang="pt-PT" dirty="0"/>
+              <a:t>20 Repetições</a:t>
+            </a:r>
+          </a:p>
+        </p:txBody>
+      </p:sp>
+      <p:sp>
+        <p:nvSpPr>
+          <p:cNvPr id="5" name="CaixaDeTexto 4">
+            <a:extLst>
+              <a:ext uri="{FF2B5EF4-FFF2-40B4-BE49-F238E27FC236}">
+                <a16:creationId xmlns:a16="http://schemas.microsoft.com/office/drawing/2014/main" id="{FAADC47C-D2CB-40C8-967E-8DFA18B4562C}"/>
+              </a:ext>
+            </a:extLst>
+          </p:cNvPr>
+          <p:cNvSpPr txBox="1"/>
+          <p:nvPr/>
+        </p:nvSpPr>
+        <p:spPr>
+          <a:xfrm>
+            <a:off x="874643" y="3868630"/>
+            <a:ext cx="4623189" cy="2533707"/>
+          </a:xfrm>
+          <a:prstGeom prst="rect">
+            <a:avLst/>
+          </a:prstGeom>
+          <a:noFill/>
+        </p:spPr>
+        <p:txBody>
+          <a:bodyPr wrap="none" rtlCol="0">
+            <a:spAutoFit/>
+          </a:bodyPr>
+          <a:lstStyle/>
+          <a:p>
+            <a:pPr>
+              <a:lnSpc>
+                <a:spcPct val="150000"/>
+              </a:lnSpc>
+            </a:pPr>
+            <a:r>
+              <a:rPr lang="pt-PT" b="1" dirty="0"/>
+              <a:t>Data </a:t>
+            </a:r>
+            <a:r>
+              <a:rPr lang="pt-PT" b="1" dirty="0" err="1"/>
+              <a:t>Augmentation</a:t>
+            </a:r>
+            <a:endParaRPr lang="pt-PT" b="1" dirty="0"/>
+          </a:p>
+          <a:p>
+            <a:pPr marL="285750" indent="-285750">
+              <a:lnSpc>
+                <a:spcPct val="150000"/>
+              </a:lnSpc>
+              <a:buFont typeface="Arial" panose="020B0604020202020204" pitchFamily="34" charset="0"/>
+              <a:buChar char="•"/>
+            </a:pPr>
+            <a:r>
+              <a:rPr lang="pt-PT" dirty="0"/>
+              <a:t>Remoção de silêncios</a:t>
+            </a:r>
+          </a:p>
+          <a:p>
+            <a:pPr marL="285750" indent="-285750">
+              <a:lnSpc>
+                <a:spcPct val="150000"/>
+              </a:lnSpc>
+              <a:buFont typeface="Arial" panose="020B0604020202020204" pitchFamily="34" charset="0"/>
+              <a:buChar char="•"/>
+            </a:pPr>
+            <a:r>
+              <a:rPr lang="pt-PT" dirty="0"/>
+              <a:t>Normalização duração 2,3 segundos</a:t>
+            </a:r>
+          </a:p>
+          <a:p>
+            <a:pPr marL="285750" indent="-285750">
+              <a:lnSpc>
+                <a:spcPct val="150000"/>
+              </a:lnSpc>
+              <a:buFont typeface="Arial" panose="020B0604020202020204" pitchFamily="34" charset="0"/>
+              <a:buChar char="•"/>
+            </a:pPr>
+            <a:r>
+              <a:rPr lang="pt-PT" dirty="0"/>
+              <a:t>Data-</a:t>
+            </a:r>
+            <a:r>
+              <a:rPr lang="pt-PT" dirty="0" err="1"/>
+              <a:t>shift</a:t>
+            </a:r>
+            <a:r>
+              <a:rPr lang="pt-PT" dirty="0"/>
+              <a:t> (</a:t>
+            </a:r>
+            <a:r>
+              <a:rPr lang="pt-PT" dirty="0" err="1"/>
+              <a:t>NumPY</a:t>
+            </a:r>
+            <a:r>
+              <a:rPr lang="pt-PT" dirty="0"/>
+              <a:t> – </a:t>
+            </a:r>
+            <a:r>
+              <a:rPr lang="pt-PT" dirty="0" err="1"/>
+              <a:t>roll</a:t>
+            </a:r>
+            <a:r>
+              <a:rPr lang="pt-PT" dirty="0"/>
+              <a:t>)</a:t>
+            </a:r>
+          </a:p>
+          <a:p>
+            <a:pPr marL="285750" indent="-285750">
+              <a:lnSpc>
+                <a:spcPct val="150000"/>
+              </a:lnSpc>
+              <a:buFont typeface="Arial" panose="020B0604020202020204" pitchFamily="34" charset="0"/>
+              <a:buChar char="•"/>
+            </a:pPr>
+            <a:r>
+              <a:rPr lang="pt-PT" dirty="0"/>
+              <a:t>11 Iterações, múltiplos </a:t>
+            </a:r>
+            <a:r>
+              <a:rPr lang="pt-PT"/>
+              <a:t>de 441 </a:t>
+            </a:r>
+            <a:r>
+              <a:rPr lang="pt-PT" dirty="0"/>
+              <a:t>amostras</a:t>
+            </a:r>
+          </a:p>
+          <a:p>
+            <a:pPr marL="285750" indent="-285750">
+              <a:lnSpc>
+                <a:spcPct val="150000"/>
+              </a:lnSpc>
+              <a:buFont typeface="Arial" panose="020B0604020202020204" pitchFamily="34" charset="0"/>
+              <a:buChar char="•"/>
+            </a:pPr>
+            <a:r>
+              <a:rPr lang="pt-PT" dirty="0"/>
+              <a:t>Numero final de clipes – 14.080</a:t>
+            </a:r>
+          </a:p>
+        </p:txBody>
+      </p:sp>
+      <p:sp>
+        <p:nvSpPr>
+          <p:cNvPr id="6" name="CaixaDeTexto 5">
+            <a:extLst>
+              <a:ext uri="{FF2B5EF4-FFF2-40B4-BE49-F238E27FC236}">
+                <a16:creationId xmlns:a16="http://schemas.microsoft.com/office/drawing/2014/main" id="{8BEB66ED-4D2A-449F-99CF-9C091EC3BEBC}"/>
+              </a:ext>
+            </a:extLst>
+          </p:cNvPr>
+          <p:cNvSpPr txBox="1"/>
+          <p:nvPr/>
+        </p:nvSpPr>
+        <p:spPr>
+          <a:xfrm>
+            <a:off x="6096000" y="1789043"/>
+            <a:ext cx="2895344" cy="1702710"/>
+          </a:xfrm>
+          <a:prstGeom prst="rect">
+            <a:avLst/>
+          </a:prstGeom>
+          <a:noFill/>
+        </p:spPr>
+        <p:txBody>
+          <a:bodyPr wrap="none" rtlCol="0">
+            <a:spAutoFit/>
+          </a:bodyPr>
+          <a:lstStyle/>
+          <a:p>
+            <a:pPr>
+              <a:lnSpc>
+                <a:spcPct val="150000"/>
+              </a:lnSpc>
+            </a:pPr>
+            <a:r>
+              <a:rPr lang="pt-PT" b="1" dirty="0"/>
+              <a:t>Formato ficheiros</a:t>
+            </a:r>
+          </a:p>
+          <a:p>
+            <a:pPr marL="285750" indent="-285750">
+              <a:lnSpc>
+                <a:spcPct val="150000"/>
+              </a:lnSpc>
+              <a:buFont typeface="Arial" panose="020B0604020202020204" pitchFamily="34" charset="0"/>
+              <a:buChar char="•"/>
+            </a:pPr>
+            <a:r>
+              <a:rPr lang="pt-PT" dirty="0"/>
+              <a:t>WAV </a:t>
+            </a:r>
+          </a:p>
+          <a:p>
+            <a:pPr marL="285750" indent="-285750">
+              <a:lnSpc>
+                <a:spcPct val="150000"/>
+              </a:lnSpc>
+              <a:buFont typeface="Arial" panose="020B0604020202020204" pitchFamily="34" charset="0"/>
+              <a:buChar char="•"/>
+            </a:pPr>
+            <a:r>
+              <a:rPr lang="pt-PT" dirty="0"/>
+              <a:t>16 bits, </a:t>
+            </a:r>
+          </a:p>
+          <a:p>
+            <a:pPr marL="285750" indent="-285750">
+              <a:lnSpc>
+                <a:spcPct val="150000"/>
+              </a:lnSpc>
+              <a:buFont typeface="Arial" panose="020B0604020202020204" pitchFamily="34" charset="0"/>
+              <a:buChar char="•"/>
+            </a:pPr>
+            <a:r>
+              <a:rPr lang="pt-PT" dirty="0"/>
+              <a:t>Amostragem - 44100Hz</a:t>
+            </a:r>
+          </a:p>
+        </p:txBody>
+      </p:sp>
+      <p:sp>
+        <p:nvSpPr>
+          <p:cNvPr id="8" name="CaixaDeTexto 7">
+            <a:extLst>
+              <a:ext uri="{FF2B5EF4-FFF2-40B4-BE49-F238E27FC236}">
+                <a16:creationId xmlns:a16="http://schemas.microsoft.com/office/drawing/2014/main" id="{59A4422C-5329-46D9-9082-5B125432D6B8}"/>
+              </a:ext>
+            </a:extLst>
+          </p:cNvPr>
+          <p:cNvSpPr txBox="1"/>
+          <p:nvPr/>
+        </p:nvSpPr>
+        <p:spPr>
+          <a:xfrm>
+            <a:off x="6096000" y="3868630"/>
+            <a:ext cx="3058851" cy="1702710"/>
+          </a:xfrm>
+          <a:prstGeom prst="rect">
+            <a:avLst/>
+          </a:prstGeom>
+          <a:noFill/>
+        </p:spPr>
+        <p:txBody>
+          <a:bodyPr wrap="none" rtlCol="0">
+            <a:spAutoFit/>
+          </a:bodyPr>
+          <a:lstStyle/>
+          <a:p>
+            <a:pPr>
+              <a:lnSpc>
+                <a:spcPct val="150000"/>
+              </a:lnSpc>
+            </a:pPr>
+            <a:r>
+              <a:rPr lang="pt-PT" b="1" dirty="0"/>
+              <a:t>Extração de caraterísticas</a:t>
+            </a:r>
+          </a:p>
+          <a:p>
+            <a:pPr marL="285750" indent="-285750">
+              <a:lnSpc>
+                <a:spcPct val="150000"/>
+              </a:lnSpc>
+              <a:buFont typeface="Arial" panose="020B0604020202020204" pitchFamily="34" charset="0"/>
+              <a:buChar char="•"/>
+            </a:pPr>
+            <a:r>
+              <a:rPr lang="pt-PT" dirty="0"/>
+              <a:t>MFCC</a:t>
+            </a:r>
+          </a:p>
+          <a:p>
+            <a:pPr marL="285750" indent="-285750">
+              <a:lnSpc>
+                <a:spcPct val="150000"/>
+              </a:lnSpc>
+              <a:buFont typeface="Arial" panose="020B0604020202020204" pitchFamily="34" charset="0"/>
+              <a:buChar char="•"/>
+            </a:pPr>
+            <a:r>
+              <a:rPr lang="pt-PT" dirty="0"/>
+              <a:t>Numero coeficientes – 13</a:t>
+            </a:r>
+          </a:p>
+          <a:p>
+            <a:pPr marL="285750" indent="-285750">
+              <a:lnSpc>
+                <a:spcPct val="150000"/>
+              </a:lnSpc>
+              <a:buFont typeface="Arial" panose="020B0604020202020204" pitchFamily="34" charset="0"/>
+              <a:buChar char="•"/>
+            </a:pPr>
+            <a:r>
+              <a:rPr lang="pt-PT" dirty="0"/>
+              <a:t>Biblioteca - </a:t>
+            </a:r>
+            <a:r>
+              <a:rPr lang="pt-PT" dirty="0" err="1"/>
+              <a:t>Librosa</a:t>
+            </a:r>
+            <a:endParaRPr lang="pt-PT" dirty="0"/>
+          </a:p>
+        </p:txBody>
+      </p:sp>
+    </p:spTree>
+    <p:extLst>
+      <p:ext uri="{BB962C8B-B14F-4D97-AF65-F5344CB8AC3E}">
+        <p14:creationId xmlns:p14="http://schemas.microsoft.com/office/powerpoint/2010/main" val="3993298402"/>
+      </p:ext>
+    </p:extLst>
+  </p:cSld>
+  <p:clrMapOvr>
+    <a:masterClrMapping/>
+  </p:clrMapOvr>
+</p:sld>
+</file>
+
+<file path=ppt/slides/slide7.xml><?xml version="1.0" encoding="utf-8"?>
+<p:sld xmlns:a="http://schemas.openxmlformats.org/drawingml/2006/main" xmlns:r="http://schemas.openxmlformats.org/officeDocument/2006/relationships" xmlns:p="http://schemas.openxmlformats.org/presentationml/2006/main">
+  <p:cSld>
+    <p:spTree>
+      <p:nvGrpSpPr>
+        <p:cNvPr id="1" name=""/>
+        <p:cNvGrpSpPr/>
+        <p:nvPr/>
+      </p:nvGrpSpPr>
+      <p:grpSpPr>
+        <a:xfrm>
+          <a:off x="0" y="0"/>
+          <a:ext cx="0" cy="0"/>
+          <a:chOff x="0" y="0"/>
+          <a:chExt cx="0" cy="0"/>
+        </a:xfrm>
+      </p:grpSpPr>
+      <p:sp>
+        <p:nvSpPr>
+          <p:cNvPr id="2" name="Título 1">
+            <a:extLst>
+              <a:ext uri="{FF2B5EF4-FFF2-40B4-BE49-F238E27FC236}">
                 <a16:creationId xmlns:a16="http://schemas.microsoft.com/office/drawing/2014/main" id="{EBC26A39-D5B9-413E-8D32-3DA9B941AD33}"/>
               </a:ext>
             </a:extLst>
@@ -3371,7 +4082,7 @@
 </p:sld>
 </file>
 
-<file path=ppt/slides/slide6.xml><?xml version="1.0" encoding="utf-8"?>
+<file path=ppt/slides/slide8.xml><?xml version="1.0" encoding="utf-8"?>
 <p:sld xmlns:a="http://schemas.openxmlformats.org/drawingml/2006/main" xmlns:r="http://schemas.openxmlformats.org/officeDocument/2006/relationships" xmlns:p="http://schemas.openxmlformats.org/presentationml/2006/main">
   <p:cSld>
     <p:spTree>
@@ -3684,7 +4395,7 @@
 </p:sld>
 </file>
 
-<file path=ppt/slides/slide7.xml><?xml version="1.0" encoding="utf-8"?>
+<file path=ppt/slides/slide9.xml><?xml version="1.0" encoding="utf-8"?>
 <p:sld xmlns:a="http://schemas.openxmlformats.org/drawingml/2006/main" xmlns:r="http://schemas.openxmlformats.org/officeDocument/2006/relationships" xmlns:p="http://schemas.openxmlformats.org/presentationml/2006/main">
   <p:cSld>
     <p:spTree>
@@ -3876,75 +4587,6 @@
     <p:extLst>
       <p:ext uri="{BB962C8B-B14F-4D97-AF65-F5344CB8AC3E}">
         <p14:creationId xmlns:p14="http://schemas.microsoft.com/office/powerpoint/2010/main" val="2986896632"/>
-      </p:ext>
-    </p:extLst>
-  </p:cSld>
-  <p:clrMapOvr>
-    <a:masterClrMapping/>
-  </p:clrMapOvr>
-</p:sld>
-</file>
-
-<file path=ppt/slides/slide8.xml><?xml version="1.0" encoding="utf-8"?>
-<p:sld xmlns:a="http://schemas.openxmlformats.org/drawingml/2006/main" xmlns:r="http://schemas.openxmlformats.org/officeDocument/2006/relationships" xmlns:p="http://schemas.openxmlformats.org/presentationml/2006/main">
-  <p:cSld>
-    <p:spTree>
-      <p:nvGrpSpPr>
-        <p:cNvPr id="1" name=""/>
-        <p:cNvGrpSpPr/>
-        <p:nvPr/>
-      </p:nvGrpSpPr>
-      <p:grpSpPr>
-        <a:xfrm>
-          <a:off x="0" y="0"/>
-          <a:ext cx="0" cy="0"/>
-          <a:chOff x="0" y="0"/>
-          <a:chExt cx="0" cy="0"/>
-        </a:xfrm>
-      </p:grpSpPr>
-      <p:sp>
-        <p:nvSpPr>
-          <p:cNvPr id="4" name="CaixaDeTexto 3">
-            <a:extLst>
-              <a:ext uri="{FF2B5EF4-FFF2-40B4-BE49-F238E27FC236}">
-                <a16:creationId xmlns:a16="http://schemas.microsoft.com/office/drawing/2014/main" id="{94C01220-B4B4-4917-8A64-2C0A8D6049F1}"/>
-              </a:ext>
-            </a:extLst>
-          </p:cNvPr>
-          <p:cNvSpPr txBox="1"/>
-          <p:nvPr/>
-        </p:nvSpPr>
-        <p:spPr>
-          <a:xfrm>
-            <a:off x="4748227" y="3044279"/>
-            <a:ext cx="2695546" cy="769441"/>
-          </a:xfrm>
-          <a:prstGeom prst="rect">
-            <a:avLst/>
-          </a:prstGeom>
-          <a:noFill/>
-        </p:spPr>
-        <p:txBody>
-          <a:bodyPr wrap="none" rtlCol="0">
-            <a:spAutoFit/>
-          </a:bodyPr>
-          <a:lstStyle/>
-          <a:p>
-            <a:r>
-              <a:rPr lang="pt-PT" sz="4400" b="1" dirty="0">
-                <a:solidFill>
-                  <a:srgbClr val="FF9B45"/>
-                </a:solidFill>
-              </a:rPr>
-              <a:t>Obrigado</a:t>
-            </a:r>
-          </a:p>
-        </p:txBody>
-      </p:sp>
-    </p:spTree>
-    <p:extLst>
-      <p:ext uri="{BB962C8B-B14F-4D97-AF65-F5344CB8AC3E}">
-        <p14:creationId xmlns:p14="http://schemas.microsoft.com/office/powerpoint/2010/main" val="4008237899"/>
       </p:ext>
     </p:extLst>
   </p:cSld>
@@ -4712,12 +5354,12 @@
 </file>
 
 <file path=customXml/item1.xml><?xml version="1.0" encoding="utf-8"?>
-<p:properties xmlns:p="http://schemas.microsoft.com/office/2006/metadata/properties" xmlns:xsi="http://www.w3.org/2001/XMLSchema-instance" xmlns:pc="http://schemas.microsoft.com/office/infopath/2007/PartnerControls">
-  <documentManagement>
-    <Status xmlns="71af3243-3dd4-4a8d-8c0d-dd76da1f02a5">Not started</Status>
-    <MediaServiceKeyPoints xmlns="71af3243-3dd4-4a8d-8c0d-dd76da1f02a5" xsi:nil="true"/>
-  </documentManagement>
-</p:properties>
+<?mso-contentType ?>
+<FormTemplates xmlns="http://schemas.microsoft.com/sharepoint/v3/contenttype/forms">
+  <Display>DocumentLibraryForm</Display>
+  <Edit>DocumentLibraryForm</Edit>
+  <New>DocumentLibraryForm</New>
+</FormTemplates>
 </file>
 
 <file path=customXml/item2.xml><?xml version="1.0" encoding="utf-8"?>
@@ -4942,27 +5584,18 @@
 </file>
 
 <file path=customXml/item3.xml><?xml version="1.0" encoding="utf-8"?>
-<?mso-contentType ?>
-<FormTemplates xmlns="http://schemas.microsoft.com/sharepoint/v3/contenttype/forms">
-  <Display>DocumentLibraryForm</Display>
-  <Edit>DocumentLibraryForm</Edit>
-  <New>DocumentLibraryForm</New>
-</FormTemplates>
+<p:properties xmlns:p="http://schemas.microsoft.com/office/2006/metadata/properties" xmlns:xsi="http://www.w3.org/2001/XMLSchema-instance" xmlns:pc="http://schemas.microsoft.com/office/infopath/2007/PartnerControls">
+  <documentManagement>
+    <Status xmlns="71af3243-3dd4-4a8d-8c0d-dd76da1f02a5">Not started</Status>
+    <MediaServiceKeyPoints xmlns="71af3243-3dd4-4a8d-8c0d-dd76da1f02a5" xsi:nil="true"/>
+  </documentManagement>
+</p:properties>
 </file>
 
 <file path=customXml/itemProps1.xml><?xml version="1.0" encoding="utf-8"?>
-<ds:datastoreItem xmlns:ds="http://schemas.openxmlformats.org/officeDocument/2006/customXml" ds:itemID="{950072C5-DDE0-4258-BA7A-4D4B80DFA632}">
+<ds:datastoreItem xmlns:ds="http://schemas.openxmlformats.org/officeDocument/2006/customXml" ds:itemID="{7EE8C63A-4744-4DE4-BB49-0FF0B5375C60}">
   <ds:schemaRefs>
-    <ds:schemaRef ds:uri="71af3243-3dd4-4a8d-8c0d-dd76da1f02a5"/>
-    <ds:schemaRef ds:uri="http://schemas.microsoft.com/office/2006/metadata/properties"/>
-    <ds:schemaRef ds:uri="http://schemas.microsoft.com/office/2006/documentManagement/types"/>
-    <ds:schemaRef ds:uri="http://purl.org/dc/terms/"/>
-    <ds:schemaRef ds:uri="http://purl.org/dc/dcmitype/"/>
-    <ds:schemaRef ds:uri="http://www.w3.org/XML/1998/namespace"/>
-    <ds:schemaRef ds:uri="http://schemas.openxmlformats.org/package/2006/metadata/core-properties"/>
-    <ds:schemaRef ds:uri="http://schemas.microsoft.com/office/infopath/2007/PartnerControls"/>
-    <ds:schemaRef ds:uri="16c05727-aa75-4e4a-9b5f-8a80a1165891"/>
-    <ds:schemaRef ds:uri="http://purl.org/dc/elements/1.1/"/>
+    <ds:schemaRef ds:uri="http://schemas.microsoft.com/sharepoint/v3/contenttype/forms"/>
   </ds:schemaRefs>
 </ds:datastoreItem>
 </file>
@@ -4987,9 +5620,18 @@
 </file>
 
 <file path=customXml/itemProps3.xml><?xml version="1.0" encoding="utf-8"?>
-<ds:datastoreItem xmlns:ds="http://schemas.openxmlformats.org/officeDocument/2006/customXml" ds:itemID="{7EE8C63A-4744-4DE4-BB49-0FF0B5375C60}">
+<ds:datastoreItem xmlns:ds="http://schemas.openxmlformats.org/officeDocument/2006/customXml" ds:itemID="{950072C5-DDE0-4258-BA7A-4D4B80DFA632}">
   <ds:schemaRefs>
-    <ds:schemaRef ds:uri="http://schemas.microsoft.com/sharepoint/v3/contenttype/forms"/>
+    <ds:schemaRef ds:uri="71af3243-3dd4-4a8d-8c0d-dd76da1f02a5"/>
+    <ds:schemaRef ds:uri="http://schemas.microsoft.com/office/2006/metadata/properties"/>
+    <ds:schemaRef ds:uri="http://schemas.microsoft.com/office/2006/documentManagement/types"/>
+    <ds:schemaRef ds:uri="http://purl.org/dc/terms/"/>
+    <ds:schemaRef ds:uri="http://purl.org/dc/dcmitype/"/>
+    <ds:schemaRef ds:uri="http://www.w3.org/XML/1998/namespace"/>
+    <ds:schemaRef ds:uri="http://schemas.openxmlformats.org/package/2006/metadata/core-properties"/>
+    <ds:schemaRef ds:uri="http://schemas.microsoft.com/office/infopath/2007/PartnerControls"/>
+    <ds:schemaRef ds:uri="16c05727-aa75-4e4a-9b5f-8a80a1165891"/>
+    <ds:schemaRef ds:uri="http://purl.org/dc/elements/1.1/"/>
   </ds:schemaRefs>
 </ds:datastoreItem>
 </file>
--- a/ApresentacaoLI2_G1.pptx
+++ b/ApresentacaoLI2_G1.pptx
@@ -258,7 +258,7 @@
             <a:pPr rtl="0"/>
             <a:fld id="{4B20B07A-6E79-467C-B481-9D15707DB0CA}" type="datetime1">
               <a:rPr lang="pt-PT" smtClean="0"/>
-              <a:t>15-07-2020</a:t>
+              <a:t>15/07/2020</a:t>
             </a:fld>
             <a:endParaRPr lang="pt-PT" dirty="0"/>
           </a:p>
@@ -428,7 +428,7 @@
             <a:pPr rtl="0"/>
             <a:fld id="{D36CBFBC-EE84-47AD-9C16-11249B617058}" type="datetime1">
               <a:rPr lang="pt-PT" noProof="0" smtClean="0"/>
-              <a:t>15-07-2020</a:t>
+              <a:t>15/07/2020</a:t>
             </a:fld>
             <a:endParaRPr lang="pt-PT" noProof="0" dirty="0"/>
           </a:p>
@@ -1316,7 +1316,7 @@
             <a:pPr rtl="0"/>
             <a:fld id="{03843EF1-3D4B-47AF-B4E5-B75DF83FC66F}" type="datetime1">
               <a:rPr lang="pt-PT" noProof="0" smtClean="0"/>
-              <a:t>15-07-2020</a:t>
+              <a:t>15/07/2020</a:t>
             </a:fld>
             <a:endParaRPr lang="pt-PT" noProof="0" dirty="0"/>
           </a:p>
@@ -1944,7 +1944,7 @@
             <a:pPr rtl="0"/>
             <a:fld id="{9704FC1B-FC30-441F-915B-9D342A76E226}" type="datetime1">
               <a:rPr lang="pt-PT" noProof="0" smtClean="0"/>
-              <a:t>15-07-2020</a:t>
+              <a:t>15/07/2020</a:t>
             </a:fld>
             <a:endParaRPr lang="pt-PT" noProof="0" dirty="0"/>
           </a:p>
@@ -2874,7 +2874,7 @@
             </a:pPr>
             <a:r>
               <a:rPr lang="pt-PT" dirty="0"/>
-              <a:t>650x480 pixel</a:t>
+              <a:t>640x480 pixel</a:t>
             </a:r>
           </a:p>
         </p:txBody>
@@ -2992,6 +2992,10 @@
               <a:buFont typeface="Arial" panose="020B0604020202020204" pitchFamily="34" charset="0"/>
               <a:buChar char="•"/>
             </a:pPr>
+            <a:r>
+              <a:rPr lang="pt-PT" dirty="0"/>
+              <a:t>Algoritmo </a:t>
+            </a:r>
             <a:r>
               <a:rPr lang="pt-PT" dirty="0" err="1"/>
               <a:t>HaarCascade</a:t>
@@ -3344,8 +3348,8 @@
         </p:nvSpPr>
         <p:spPr>
           <a:xfrm>
-            <a:off x="1966839" y="1582338"/>
-            <a:ext cx="8607755" cy="1892826"/>
+            <a:off x="521207" y="1755332"/>
+            <a:ext cx="10967787" cy="1892826"/>
           </a:xfrm>
           <a:prstGeom prst="rect">
             <a:avLst/>
@@ -3667,15 +3671,7 @@
             </a:pPr>
             <a:r>
               <a:rPr lang="pt-PT" dirty="0"/>
-              <a:t>11 Iterações, múltiplos </a:t>
-            </a:r>
-            <a:r>
-              <a:rPr lang="pt-PT"/>
-              <a:t>de 441 </a:t>
-            </a:r>
-            <a:r>
-              <a:rPr lang="pt-PT" dirty="0"/>
-              <a:t>amostras</a:t>
+              <a:t>11 Iterações, múltiplos de 4410 amostras</a:t>
             </a:r>
           </a:p>
           <a:p>
